--- a/汇报ppt/项目周汇报-11组-第四次.pptx
+++ b/汇报ppt/项目周汇报-11组-第四次.pptx
@@ -27859,24 +27859,6 @@
             <a:endParaRPr kumimoji="1" lang="en-US" altLang="zh-CN" dirty="0"/>
           </a:p>
           <a:p>
-            <a:r>
-              <a:rPr kumimoji="1" lang="zh-CN" altLang="en-US" dirty="0"/>
-              <a:t>该模式以前也称为</a:t>
-            </a:r>
-            <a:r>
-              <a:rPr kumimoji="1" lang="en-US" altLang="zh-CN" dirty="0"/>
-              <a:t>"</a:t>
-            </a:r>
-            <a:r>
-              <a:rPr kumimoji="1" lang="en-US" altLang="zh-CN" dirty="0" err="1"/>
-              <a:t>Flink</a:t>
-            </a:r>
-            <a:r>
-              <a:rPr kumimoji="1" lang="en-US" altLang="zh-CN" dirty="0"/>
-              <a:t> Cluster in session mode".</a:t>
-            </a:r>
-          </a:p>
-          <a:p>
             <a:endParaRPr kumimoji="1" lang="zh-CN" altLang="en-US" dirty="0"/>
           </a:p>
         </p:txBody>
@@ -28087,32 +28069,6 @@
           <a:p>
             <a:endParaRPr lang="en-US" altLang="zh-CN" dirty="0"/>
           </a:p>
-          <a:p>
-            <a:r>
-              <a:rPr lang="zh-CN" altLang="en-US" dirty="0"/>
-              <a:t>该模式以前也称为</a:t>
-            </a:r>
-            <a:r>
-              <a:rPr lang="en-US" altLang="zh-CN" dirty="0"/>
-              <a:t>"</a:t>
-            </a:r>
-            <a:r>
-              <a:rPr lang="en-US" altLang="zh-CN" dirty="0" err="1"/>
-              <a:t>Flink</a:t>
-            </a:r>
-            <a:r>
-              <a:rPr lang="en-US" altLang="zh-CN" dirty="0"/>
-              <a:t> Cluster </a:t>
-            </a:r>
-            <a:r>
-              <a:rPr lang="en-US" altLang="zh-CN" b="1" i="1" dirty="0"/>
-              <a:t>in per-job mode</a:t>
-            </a:r>
-            <a:r>
-              <a:rPr lang="en-US" altLang="zh-CN" dirty="0"/>
-              <a:t>".</a:t>
-            </a:r>
-          </a:p>
         </p:txBody>
       </p:sp>
       <p:sp>
@@ -28450,32 +28406,6 @@
           <a:p>
             <a:endParaRPr lang="en-US" altLang="zh-CN" dirty="0"/>
           </a:p>
-          <a:p>
-            <a:r>
-              <a:rPr lang="zh-CN" altLang="en-US" dirty="0"/>
-              <a:t>该模式以前也称为</a:t>
-            </a:r>
-            <a:r>
-              <a:rPr lang="en-US" altLang="zh-CN" dirty="0"/>
-              <a:t>"</a:t>
-            </a:r>
-            <a:r>
-              <a:rPr lang="en-US" altLang="zh-CN" dirty="0" err="1"/>
-              <a:t>Flink</a:t>
-            </a:r>
-            <a:r>
-              <a:rPr lang="en-US" altLang="zh-CN" dirty="0"/>
-              <a:t> Cluster </a:t>
-            </a:r>
-            <a:r>
-              <a:rPr lang="en-US" altLang="zh-CN" b="1" i="1" dirty="0"/>
-              <a:t>in application mode</a:t>
-            </a:r>
-            <a:r>
-              <a:rPr lang="en-US" altLang="zh-CN" dirty="0"/>
-              <a:t>".</a:t>
-            </a:r>
-          </a:p>
         </p:txBody>
       </p:sp>
       <p:sp>
@@ -28703,8 +28633,11 @@
             </a:r>
             <a:r>
               <a:rPr lang="zh-CN" altLang="en-US" dirty="0"/>
-              <a:t>端执行的。这个对于一些比较大型或复杂的应用来说区别还是挺大的，毕竟集群侧的资源一般是比较充足的，而且可以负载均衡。</a:t>
-            </a:r>
+              <a:t>端执行的。这个对于一些比较大型或复杂的应用来说区别还是挺大的，因为集群侧的资源一般是比较充足的，而且可以负载均衡。</a:t>
+            </a:r>
+            <a:endParaRPr lang="en-US" altLang="zh-CN" dirty="0"/>
+          </a:p>
+          <a:p>
             <a:r>
               <a:rPr lang="en-US" altLang="zh-CN" dirty="0"/>
               <a:t>Client</a:t>
@@ -43136,31 +43069,11 @@
             <a:pPr lvl="2"/>
             <a:r>
               <a:rPr kumimoji="1" lang="zh-CN" altLang="en-US" dirty="0"/>
-              <a:t>产出论文大纲</a:t>
+              <a:t>细化专利文档</a:t>
             </a:r>
             <a:endParaRPr kumimoji="1" lang="en-US" altLang="zh-CN" dirty="0"/>
           </a:p>
           <a:p>
-            <a:pPr lvl="2"/>
-            <a:r>
-              <a:rPr kumimoji="1" lang="zh-CN" altLang="en-US" dirty="0"/>
-              <a:t>细化专利文档</a:t>
-            </a:r>
-            <a:endParaRPr kumimoji="1" lang="en-US" altLang="zh-CN" dirty="0"/>
-          </a:p>
-          <a:p>
-            <a:r>
-              <a:rPr kumimoji="1" lang="zh-CN" altLang="en-US" dirty="0"/>
-              <a:t>问题</a:t>
-            </a:r>
-            <a:endParaRPr kumimoji="1" lang="en-US" altLang="zh-CN" dirty="0"/>
-          </a:p>
-          <a:p>
-            <a:pPr lvl="1"/>
-            <a:r>
-              <a:rPr kumimoji="1" lang="zh-CN" altLang="en-US" dirty="0"/>
-              <a:t>目前整体架构设计偏前，技术相关细节落后</a:t>
-            </a:r>
             <a:endParaRPr kumimoji="1" lang="en-US" altLang="zh-CN" dirty="0"/>
           </a:p>
         </p:txBody>
